--- a/Metis_Engineering_Project_Wooyoung_Jeong.pptx
+++ b/Metis_Engineering_Project_Wooyoung_Jeong.pptx
@@ -1416,7 +1416,7 @@
       </p:grpSpPr>
       <p:sp>
         <p:nvSpPr>
-          <p:cNvPr id="167" name="Google Shape;167;g10f6bcfc766_0_3:notes"/>
+          <p:cNvPr id="167" name="Google Shape;167;g10f6bcfc766_0_20:notes"/>
           <p:cNvSpPr/>
           <p:nvPr>
             <p:ph idx="2" type="sldImg"/>
@@ -1451,7 +1451,7 @@
       </p:sp>
       <p:sp>
         <p:nvSpPr>
-          <p:cNvPr id="168" name="Google Shape;168;g10f6bcfc766_0_3:notes"/>
+          <p:cNvPr id="168" name="Google Shape;168;g10f6bcfc766_0_20:notes"/>
           <p:cNvSpPr txBox="1"/>
           <p:nvPr>
             <p:ph idx="1" type="body"/>
@@ -1501,7 +1501,7 @@
   <p:cSld>
     <p:spTree>
       <p:nvGrpSpPr>
-        <p:cNvPr id="173" name="Shape 173"/>
+        <p:cNvPr id="172" name="Shape 172"/>
         <p:cNvGrpSpPr/>
         <p:nvPr/>
       </p:nvGrpSpPr>
@@ -1515,7 +1515,7 @@
       </p:grpSpPr>
       <p:sp>
         <p:nvSpPr>
-          <p:cNvPr id="174" name="Google Shape;174;g11ecb1d8759_0_3:notes"/>
+          <p:cNvPr id="173" name="Google Shape;173;g10f6bcfc766_0_3:notes"/>
           <p:cNvSpPr/>
           <p:nvPr>
             <p:ph idx="2" type="sldImg"/>
@@ -1550,7 +1550,7 @@
       </p:sp>
       <p:sp>
         <p:nvSpPr>
-          <p:cNvPr id="175" name="Google Shape;175;g11ecb1d8759_0_3:notes"/>
+          <p:cNvPr id="174" name="Google Shape;174;g10f6bcfc766_0_3:notes"/>
           <p:cNvSpPr txBox="1"/>
           <p:nvPr>
             <p:ph idx="1" type="body"/>
@@ -1600,7 +1600,7 @@
   <p:cSld>
     <p:spTree>
       <p:nvGrpSpPr>
-        <p:cNvPr id="180" name="Shape 180"/>
+        <p:cNvPr id="179" name="Shape 179"/>
         <p:cNvGrpSpPr/>
         <p:nvPr/>
       </p:nvGrpSpPr>
@@ -1614,7 +1614,7 @@
       </p:grpSpPr>
       <p:sp>
         <p:nvSpPr>
-          <p:cNvPr id="181" name="Google Shape;181;g10f6bcfc766_0_20:notes"/>
+          <p:cNvPr id="180" name="Google Shape;180;g11ecb1d8759_0_3:notes"/>
           <p:cNvSpPr/>
           <p:nvPr>
             <p:ph idx="2" type="sldImg"/>
@@ -1649,7 +1649,7 @@
       </p:sp>
       <p:sp>
         <p:nvSpPr>
-          <p:cNvPr id="182" name="Google Shape;182;g10f6bcfc766_0_20:notes"/>
+          <p:cNvPr id="181" name="Google Shape;181;g11ecb1d8759_0_3:notes"/>
           <p:cNvSpPr txBox="1"/>
           <p:nvPr>
             <p:ph idx="1" type="body"/>
@@ -10237,7 +10237,15 @@
             </a:pPr>
             <a:r>
               <a:rPr lang="en" sz="1600"/>
-              <a:t>Goal: Produce a regression model that can best interpret a relationship between batting average and other statistics in Major League Baseball.</a:t>
+              <a:t>Goal: Produce semi-automated application to predict the batting averages of MLB </a:t>
+            </a:r>
+            <a:r>
+              <a:rPr lang="en" sz="1600"/>
+              <a:t>players</a:t>
+            </a:r>
+            <a:r>
+              <a:rPr lang="en" sz="1600"/>
+              <a:t> by using Streamlit with deploying the application via Github.</a:t>
             </a:r>
             <a:endParaRPr sz="1600"/>
           </a:p>
@@ -10711,7 +10719,7 @@
             </a:pPr>
             <a:r>
               <a:rPr lang="en" sz="1900"/>
-              <a:t>All batting data was scraped from Baseball Reference.</a:t>
+              <a:t>All batting data was scraped from Baseball Reference</a:t>
             </a:r>
             <a:endParaRPr sz="1900"/>
           </a:p>
@@ -11050,6 +11058,99 @@
         </p:nvSpPr>
         <p:spPr>
           <a:xfrm>
+            <a:off x="819150" y="638000"/>
+            <a:ext cx="7505700" cy="954600"/>
+          </a:xfrm>
+          <a:prstGeom prst="rect">
+            <a:avLst/>
+          </a:prstGeom>
+        </p:spPr>
+        <p:txBody>
+          <a:bodyPr anchorCtr="0" anchor="t" bIns="91425" lIns="91425" spcFirstLastPara="1" rIns="91425" wrap="square" tIns="91425">
+            <a:normAutofit fontScale="90000"/>
+          </a:bodyPr>
+          <a:lstStyle/>
+          <a:p>
+            <a:pPr indent="0" lvl="0" marL="0" rtl="0" algn="l">
+              <a:spcBef>
+                <a:spcPts val="0"/>
+              </a:spcBef>
+              <a:spcAft>
+                <a:spcPts val="0"/>
+              </a:spcAft>
+              <a:buNone/>
+            </a:pPr>
+            <a:r>
+              <a:rPr lang="en" sz="4600"/>
+              <a:t>Deploying Streamlit via Github</a:t>
+            </a:r>
+            <a:endParaRPr sz="4600"/>
+          </a:p>
+        </p:txBody>
+      </p:sp>
+      <p:pic>
+        <p:nvPicPr>
+          <p:cNvPr id="171" name="Google Shape;171;p19"/>
+          <p:cNvPicPr preferRelativeResize="0"/>
+          <p:nvPr/>
+        </p:nvPicPr>
+        <p:blipFill>
+          <a:blip r:embed="rId3">
+            <a:alphaModFix/>
+          </a:blip>
+          <a:stretch>
+            <a:fillRect/>
+          </a:stretch>
+        </p:blipFill>
+        <p:spPr>
+          <a:xfrm>
+            <a:off x="1317175" y="1525875"/>
+            <a:ext cx="6238074" cy="3246100"/>
+          </a:xfrm>
+          <a:prstGeom prst="rect">
+            <a:avLst/>
+          </a:prstGeom>
+          <a:noFill/>
+          <a:ln>
+            <a:noFill/>
+          </a:ln>
+        </p:spPr>
+      </p:pic>
+    </p:spTree>
+  </p:cSld>
+  <p:clrMapOvr>
+    <a:masterClrMapping/>
+  </p:clrMapOvr>
+</p:sld>
+</file>
+
+<file path=ppt/slides/slide8.xml><?xml version="1.0" encoding="utf-8"?>
+<p:sld xmlns:a="http://schemas.openxmlformats.org/drawingml/2006/main" xmlns:r="http://schemas.openxmlformats.org/officeDocument/2006/relationships" xmlns:mc="http://schemas.openxmlformats.org/markup-compatibility/2006" xmlns:mv="urn:schemas-microsoft-com:mac:vml" xmlns:p="http://schemas.openxmlformats.org/presentationml/2006/main" xmlns:c="http://schemas.openxmlformats.org/drawingml/2006/chart" xmlns:dgm="http://schemas.openxmlformats.org/drawingml/2006/diagram" xmlns:o="urn:schemas-microsoft-com:office:office" xmlns:v="urn:schemas-microsoft-com:vml" xmlns:pvml="urn:schemas-microsoft-com:office:powerpoint" xmlns:com="http://schemas.openxmlformats.org/drawingml/2006/compatibility" xmlns:p14="http://schemas.microsoft.com/office/powerpoint/2010/main" xmlns:p15="http://schemas.microsoft.com/office/powerpoint/2012/main" xmlns:ahyp="http://schemas.microsoft.com/office/drawing/2018/hyperlinkcolor">
+  <p:cSld>
+    <p:spTree>
+      <p:nvGrpSpPr>
+        <p:cNvPr id="175" name="Shape 175"/>
+        <p:cNvGrpSpPr/>
+        <p:nvPr/>
+      </p:nvGrpSpPr>
+      <p:grpSpPr>
+        <a:xfrm>
+          <a:off x="0" y="0"/>
+          <a:ext cx="0" cy="0"/>
+          <a:chOff x="0" y="0"/>
+          <a:chExt cx="0" cy="0"/>
+        </a:xfrm>
+      </p:grpSpPr>
+      <p:sp>
+        <p:nvSpPr>
+          <p:cNvPr id="176" name="Google Shape;176;p20"/>
+          <p:cNvSpPr txBox="1"/>
+          <p:nvPr>
+            <p:ph type="title"/>
+          </p:nvPr>
+        </p:nvSpPr>
+        <p:spPr>
+          <a:xfrm>
             <a:off x="819150" y="693200"/>
             <a:ext cx="7505700" cy="954600"/>
           </a:xfrm>
@@ -11082,7 +11183,7 @@
       </p:sp>
       <p:sp>
         <p:nvSpPr>
-          <p:cNvPr id="171" name="Google Shape;171;p19"/>
+          <p:cNvPr id="177" name="Google Shape;177;p20"/>
           <p:cNvSpPr txBox="1"/>
           <p:nvPr>
             <p:ph idx="1" type="body"/>
@@ -11090,7 +11191,7 @@
         </p:nvSpPr>
         <p:spPr>
           <a:xfrm>
-            <a:off x="914400" y="1562100"/>
+            <a:off x="819150" y="1919300"/>
             <a:ext cx="3657600" cy="2019300"/>
           </a:xfrm>
           <a:prstGeom prst="rect">
@@ -11103,27 +11204,35 @@
           </a:bodyPr>
           <a:lstStyle/>
           <a:p>
-            <a:pPr indent="-311150" lvl="0" marL="457200" rtl="0" algn="l">
-              <a:spcBef>
-                <a:spcPts val="0"/>
-              </a:spcBef>
-              <a:spcAft>
-                <a:spcPts val="0"/>
-              </a:spcAft>
-              <a:buSzPts val="1300"/>
+            <a:pPr indent="-336550" lvl="0" marL="457200" rtl="0" algn="l">
+              <a:spcBef>
+                <a:spcPts val="0"/>
+              </a:spcBef>
+              <a:spcAft>
+                <a:spcPts val="0"/>
+              </a:spcAft>
+              <a:buSzPts val="1700"/>
               <a:buChar char="-"/>
             </a:pPr>
             <a:r>
-              <a:rPr lang="en"/>
-              <a:t>Used Streamlit package to run the prediction app.</a:t>
+              <a:rPr lang="en" sz="1700"/>
+              <a:t>Used Streamlit to create an app that users can input the statistics to </a:t>
             </a:r>
-            <a:endParaRPr/>
+            <a:r>
+              <a:rPr lang="en" sz="1700"/>
+              <a:t>predict</a:t>
+            </a:r>
+            <a:r>
+              <a:rPr lang="en" sz="1700"/>
+              <a:t> the batting averages of batters.</a:t>
+            </a:r>
+            <a:endParaRPr sz="1700"/>
           </a:p>
         </p:txBody>
       </p:sp>
       <p:pic>
         <p:nvPicPr>
-          <p:cNvPr id="172" name="Google Shape;172;p19"/>
+          <p:cNvPr id="178" name="Google Shape;178;p20"/>
           <p:cNvPicPr preferRelativeResize="0"/>
           <p:nvPr/>
         </p:nvPicPr>
@@ -11157,12 +11266,12 @@
 </p:sld>
 </file>
 
-<file path=ppt/slides/slide8.xml><?xml version="1.0" encoding="utf-8"?>
+<file path=ppt/slides/slide9.xml><?xml version="1.0" encoding="utf-8"?>
 <p:sld xmlns:a="http://schemas.openxmlformats.org/drawingml/2006/main" xmlns:r="http://schemas.openxmlformats.org/officeDocument/2006/relationships" xmlns:mc="http://schemas.openxmlformats.org/markup-compatibility/2006" xmlns:mv="urn:schemas-microsoft-com:mac:vml" xmlns:p="http://schemas.openxmlformats.org/presentationml/2006/main" xmlns:c="http://schemas.openxmlformats.org/drawingml/2006/chart" xmlns:dgm="http://schemas.openxmlformats.org/drawingml/2006/diagram" xmlns:o="urn:schemas-microsoft-com:office:office" xmlns:v="urn:schemas-microsoft-com:vml" xmlns:pvml="urn:schemas-microsoft-com:office:powerpoint" xmlns:com="http://schemas.openxmlformats.org/drawingml/2006/compatibility" xmlns:p14="http://schemas.microsoft.com/office/powerpoint/2010/main" xmlns:p15="http://schemas.microsoft.com/office/powerpoint/2012/main" xmlns:ahyp="http://schemas.microsoft.com/office/drawing/2018/hyperlinkcolor">
   <p:cSld>
     <p:spTree>
       <p:nvGrpSpPr>
-        <p:cNvPr id="176" name="Shape 176"/>
+        <p:cNvPr id="182" name="Shape 182"/>
         <p:cNvGrpSpPr/>
         <p:nvPr/>
       </p:nvGrpSpPr>
@@ -11176,7 +11285,7 @@
       </p:grpSpPr>
       <p:sp>
         <p:nvSpPr>
-          <p:cNvPr id="177" name="Google Shape;177;p20"/>
+          <p:cNvPr id="183" name="Google Shape;183;p21"/>
           <p:cNvSpPr txBox="1"/>
           <p:nvPr>
             <p:ph type="title"/>
@@ -11216,7 +11325,7 @@
       </p:sp>
       <p:sp>
         <p:nvSpPr>
-          <p:cNvPr id="178" name="Google Shape;178;p20"/>
+          <p:cNvPr id="184" name="Google Shape;184;p21"/>
           <p:cNvSpPr txBox="1"/>
           <p:nvPr>
             <p:ph idx="1" type="body"/>
@@ -11308,7 +11417,7 @@
       </p:sp>
       <p:pic>
         <p:nvPicPr>
-          <p:cNvPr id="179" name="Google Shape;179;p20"/>
+          <p:cNvPr id="185" name="Google Shape;185;p21"/>
           <p:cNvPicPr preferRelativeResize="0"/>
           <p:nvPr/>
         </p:nvPicPr>
@@ -11342,100 +11451,286 @@
 </p:sld>
 </file>
 
-<file path=ppt/slides/slide9.xml><?xml version="1.0" encoding="utf-8"?>
-<p:sld xmlns:a="http://schemas.openxmlformats.org/drawingml/2006/main" xmlns:r="http://schemas.openxmlformats.org/officeDocument/2006/relationships" xmlns:mc="http://schemas.openxmlformats.org/markup-compatibility/2006" xmlns:mv="urn:schemas-microsoft-com:mac:vml" xmlns:p="http://schemas.openxmlformats.org/presentationml/2006/main" xmlns:c="http://schemas.openxmlformats.org/drawingml/2006/chart" xmlns:dgm="http://schemas.openxmlformats.org/drawingml/2006/diagram" xmlns:o="urn:schemas-microsoft-com:office:office" xmlns:v="urn:schemas-microsoft-com:vml" xmlns:pvml="urn:schemas-microsoft-com:office:powerpoint" xmlns:com="http://schemas.openxmlformats.org/drawingml/2006/compatibility" xmlns:p14="http://schemas.microsoft.com/office/powerpoint/2010/main" xmlns:p15="http://schemas.microsoft.com/office/powerpoint/2012/main" xmlns:ahyp="http://schemas.microsoft.com/office/drawing/2018/hyperlinkcolor">
-  <p:cSld>
-    <p:spTree>
-      <p:nvGrpSpPr>
-        <p:cNvPr id="183" name="Shape 183"/>
-        <p:cNvGrpSpPr/>
-        <p:nvPr/>
-      </p:nvGrpSpPr>
-      <p:grpSpPr>
-        <a:xfrm>
-          <a:off x="0" y="0"/>
-          <a:ext cx="0" cy="0"/>
-          <a:chOff x="0" y="0"/>
-          <a:chExt cx="0" cy="0"/>
-        </a:xfrm>
-      </p:grpSpPr>
-      <p:sp>
-        <p:nvSpPr>
-          <p:cNvPr id="184" name="Google Shape;184;p21"/>
-          <p:cNvSpPr txBox="1"/>
-          <p:nvPr>
-            <p:ph type="title"/>
-          </p:nvPr>
-        </p:nvSpPr>
-        <p:spPr>
-          <a:xfrm>
-            <a:off x="819150" y="638000"/>
-            <a:ext cx="7505700" cy="954600"/>
-          </a:xfrm>
-          <a:prstGeom prst="rect">
-            <a:avLst/>
-          </a:prstGeom>
-        </p:spPr>
-        <p:txBody>
-          <a:bodyPr anchorCtr="0" anchor="t" bIns="91425" lIns="91425" spcFirstLastPara="1" rIns="91425" wrap="square" tIns="91425">
-            <a:normAutofit fontScale="90000"/>
-          </a:bodyPr>
-          <a:lstStyle/>
-          <a:p>
-            <a:pPr indent="0" lvl="0" marL="0" rtl="0" algn="l">
-              <a:spcBef>
-                <a:spcPts val="0"/>
-              </a:spcBef>
-              <a:spcAft>
-                <a:spcPts val="0"/>
-              </a:spcAft>
-              <a:buNone/>
-            </a:pPr>
-            <a:r>
-              <a:rPr lang="en" sz="4600"/>
-              <a:t>Deploying Streamlit via Github</a:t>
-            </a:r>
-            <a:endParaRPr sz="4600"/>
-          </a:p>
-        </p:txBody>
-      </p:sp>
-      <p:pic>
-        <p:nvPicPr>
-          <p:cNvPr id="185" name="Google Shape;185;p21"/>
-          <p:cNvPicPr preferRelativeResize="0"/>
-          <p:nvPr/>
-        </p:nvPicPr>
-        <p:blipFill>
-          <a:blip r:embed="rId3">
-            <a:alphaModFix/>
-          </a:blip>
-          <a:stretch>
-            <a:fillRect/>
-          </a:stretch>
-        </p:blipFill>
-        <p:spPr>
-          <a:xfrm>
-            <a:off x="1317175" y="1525875"/>
-            <a:ext cx="6238074" cy="3246100"/>
-          </a:xfrm>
-          <a:prstGeom prst="rect">
-            <a:avLst/>
-          </a:prstGeom>
-          <a:noFill/>
-          <a:ln>
-            <a:noFill/>
-          </a:ln>
-        </p:spPr>
-      </p:pic>
-    </p:spTree>
-  </p:cSld>
-  <p:clrMapOvr>
-    <a:masterClrMapping/>
-  </p:clrMapOvr>
-</p:sld>
+<file path=ppt/theme/theme1.xml><?xml version="1.0" encoding="utf-8"?>
+<a:theme xmlns:a="http://schemas.openxmlformats.org/drawingml/2006/main" xmlns:r="http://schemas.openxmlformats.org/officeDocument/2006/relationships" name="Shift">
+  <a:themeElements>
+    <a:clrScheme name="Shift">
+      <a:dk1>
+        <a:srgbClr val="FFFFFF"/>
+      </a:dk1>
+      <a:lt1>
+        <a:srgbClr val="AF7B51"/>
+      </a:lt1>
+      <a:dk2>
+        <a:srgbClr val="233A44"/>
+      </a:dk2>
+      <a:lt2>
+        <a:srgbClr val="D9D9D9"/>
+      </a:lt2>
+      <a:accent1>
+        <a:srgbClr val="00796B"/>
+      </a:accent1>
+      <a:accent2>
+        <a:srgbClr val="D9563F"/>
+      </a:accent2>
+      <a:accent3>
+        <a:srgbClr val="C4A15A"/>
+      </a:accent3>
+      <a:accent4>
+        <a:srgbClr val="14F597"/>
+      </a:accent4>
+      <a:accent5>
+        <a:srgbClr val="3D4594"/>
+      </a:accent5>
+      <a:accent6>
+        <a:srgbClr val="163EF5"/>
+      </a:accent6>
+      <a:hlink>
+        <a:srgbClr val="3D4594"/>
+      </a:hlink>
+      <a:folHlink>
+        <a:srgbClr val="3D4594"/>
+      </a:folHlink>
+    </a:clrScheme>
+    <a:fontScheme name="Office">
+      <a:majorFont>
+        <a:latin typeface="Arial"/>
+        <a:ea typeface=""/>
+        <a:cs typeface=""/>
+        <a:font script="Jpan" typeface="ＭＳ Ｐゴシック"/>
+        <a:font script="Hang" typeface="맑은 고딕"/>
+        <a:font script="Hans" typeface="宋体"/>
+        <a:font script="Hant" typeface="新細明體"/>
+        <a:font script="Arab" typeface="Times New Roman"/>
+        <a:font script="Hebr" typeface="Times New Roman"/>
+        <a:font script="Thai" typeface="Angsana New"/>
+        <a:font script="Ethi" typeface="Nyala"/>
+        <a:font script="Beng" typeface="Vrinda"/>
+        <a:font script="Gujr" typeface="Shruti"/>
+        <a:font script="Khmr" typeface="MoolBoran"/>
+        <a:font script="Knda" typeface="Tunga"/>
+        <a:font script="Guru" typeface="Raavi"/>
+        <a:font script="Cans" typeface="Euphemia"/>
+        <a:font script="Cher" typeface="Plantagenet Cherokee"/>
+        <a:font script="Yiii" typeface="Microsoft Yi Baiti"/>
+        <a:font script="Tibt" typeface="Microsoft Himalaya"/>
+        <a:font script="Thaa" typeface="MV Boli"/>
+        <a:font script="Deva" typeface="Mangal"/>
+        <a:font script="Telu" typeface="Gautami"/>
+        <a:font script="Taml" typeface="Latha"/>
+        <a:font script="Syrc" typeface="Estrangelo Edessa"/>
+        <a:font script="Orya" typeface="Kalinga"/>
+        <a:font script="Mlym" typeface="Kartika"/>
+        <a:font script="Laoo" typeface="DokChampa"/>
+        <a:font script="Sinh" typeface="Iskoola Pota"/>
+        <a:font script="Mong" typeface="Mongolian Baiti"/>
+        <a:font script="Viet" typeface="Times New Roman"/>
+        <a:font script="Uigh" typeface="Microsoft Uighur"/>
+        <a:font script="Geor" typeface="Sylfaen"/>
+      </a:majorFont>
+      <a:minorFont>
+        <a:latin typeface="Arial"/>
+        <a:ea typeface=""/>
+        <a:cs typeface=""/>
+        <a:font script="Jpan" typeface="ＭＳ Ｐゴシック"/>
+        <a:font script="Hang" typeface="맑은 고딕"/>
+        <a:font script="Hans" typeface="宋体"/>
+        <a:font script="Hant" typeface="新細明體"/>
+        <a:font script="Arab" typeface="Arial"/>
+        <a:font script="Hebr" typeface="Arial"/>
+        <a:font script="Thai" typeface="Cordia New"/>
+        <a:font script="Ethi" typeface="Nyala"/>
+        <a:font script="Beng" typeface="Vrinda"/>
+        <a:font script="Gujr" typeface="Shruti"/>
+        <a:font script="Khmr" typeface="DaunPenh"/>
+        <a:font script="Knda" typeface="Tunga"/>
+        <a:font script="Guru" typeface="Raavi"/>
+        <a:font script="Cans" typeface="Euphemia"/>
+        <a:font script="Cher" typeface="Plantagenet Cherokee"/>
+        <a:font script="Yiii" typeface="Microsoft Yi Baiti"/>
+        <a:font script="Tibt" typeface="Microsoft Himalaya"/>
+        <a:font script="Thaa" typeface="MV Boli"/>
+        <a:font script="Deva" typeface="Mangal"/>
+        <a:font script="Telu" typeface="Gautami"/>
+        <a:font script="Taml" typeface="Latha"/>
+        <a:font script="Syrc" typeface="Estrangelo Edessa"/>
+        <a:font script="Orya" typeface="Kalinga"/>
+        <a:font script="Mlym" typeface="Kartika"/>
+        <a:font script="Laoo" typeface="DokChampa"/>
+        <a:font script="Sinh" typeface="Iskoola Pota"/>
+        <a:font script="Mong" typeface="Mongolian Baiti"/>
+        <a:font script="Viet" typeface="Arial"/>
+        <a:font script="Uigh" typeface="Microsoft Uighur"/>
+        <a:font script="Geor" typeface="Sylfaen"/>
+      </a:minorFont>
+    </a:fontScheme>
+    <a:fmtScheme name="Office">
+      <a:fillStyleLst>
+        <a:solidFill>
+          <a:schemeClr val="phClr"/>
+        </a:solidFill>
+        <a:gradFill rotWithShape="1">
+          <a:gsLst>
+            <a:gs pos="0">
+              <a:schemeClr val="phClr">
+                <a:tint val="50000"/>
+                <a:satMod val="300000"/>
+              </a:schemeClr>
+            </a:gs>
+            <a:gs pos="35000">
+              <a:schemeClr val="phClr">
+                <a:tint val="37000"/>
+                <a:satMod val="300000"/>
+              </a:schemeClr>
+            </a:gs>
+            <a:gs pos="100000">
+              <a:schemeClr val="phClr">
+                <a:tint val="15000"/>
+                <a:satMod val="350000"/>
+              </a:schemeClr>
+            </a:gs>
+          </a:gsLst>
+          <a:lin ang="16200000" scaled="1"/>
+        </a:gradFill>
+        <a:gradFill rotWithShape="1">
+          <a:gsLst>
+            <a:gs pos="0">
+              <a:schemeClr val="phClr">
+                <a:tint val="100000"/>
+                <a:shade val="100000"/>
+                <a:satMod val="130000"/>
+              </a:schemeClr>
+            </a:gs>
+            <a:gs pos="100000">
+              <a:schemeClr val="phClr">
+                <a:tint val="50000"/>
+                <a:shade val="100000"/>
+                <a:satMod val="350000"/>
+              </a:schemeClr>
+            </a:gs>
+          </a:gsLst>
+          <a:lin ang="16200000" scaled="0"/>
+        </a:gradFill>
+      </a:fillStyleLst>
+      <a:lnStyleLst>
+        <a:ln w="9525" cap="flat" cmpd="sng" algn="ctr">
+          <a:solidFill>
+            <a:schemeClr val="phClr">
+              <a:shade val="95000"/>
+              <a:satMod val="105000"/>
+            </a:schemeClr>
+          </a:solidFill>
+          <a:prstDash val="solid"/>
+        </a:ln>
+        <a:ln w="25400" cap="flat" cmpd="sng" algn="ctr">
+          <a:solidFill>
+            <a:schemeClr val="phClr"/>
+          </a:solidFill>
+          <a:prstDash val="solid"/>
+        </a:ln>
+        <a:ln w="38100" cap="flat" cmpd="sng" algn="ctr">
+          <a:solidFill>
+            <a:schemeClr val="phClr"/>
+          </a:solidFill>
+          <a:prstDash val="solid"/>
+        </a:ln>
+      </a:lnStyleLst>
+      <a:effectStyleLst>
+        <a:effectStyle>
+          <a:effectLst>
+            <a:outerShdw blurRad="40000" dist="20000" dir="5400000" rotWithShape="0">
+              <a:srgbClr val="000000">
+                <a:alpha val="38000"/>
+              </a:srgbClr>
+            </a:outerShdw>
+          </a:effectLst>
+        </a:effectStyle>
+        <a:effectStyle>
+          <a:effectLst>
+            <a:outerShdw blurRad="40000" dist="23000" dir="5400000" rotWithShape="0">
+              <a:srgbClr val="000000">
+                <a:alpha val="35000"/>
+              </a:srgbClr>
+            </a:outerShdw>
+          </a:effectLst>
+        </a:effectStyle>
+        <a:effectStyle>
+          <a:effectLst>
+            <a:outerShdw blurRad="40000" dist="23000" dir="5400000" rotWithShape="0">
+              <a:srgbClr val="000000">
+                <a:alpha val="35000"/>
+              </a:srgbClr>
+            </a:outerShdw>
+          </a:effectLst>
+          <a:scene3d>
+            <a:camera prst="orthographicFront">
+              <a:rot lat="0" lon="0" rev="0"/>
+            </a:camera>
+            <a:lightRig rig="threePt" dir="t">
+              <a:rot lat="0" lon="0" rev="1200000"/>
+            </a:lightRig>
+          </a:scene3d>
+          <a:sp3d>
+            <a:bevelT w="63500" h="25400"/>
+          </a:sp3d>
+        </a:effectStyle>
+      </a:effectStyleLst>
+      <a:bgFillStyleLst>
+        <a:solidFill>
+          <a:schemeClr val="phClr"/>
+        </a:solidFill>
+        <a:gradFill rotWithShape="1">
+          <a:gsLst>
+            <a:gs pos="0">
+              <a:schemeClr val="phClr">
+                <a:tint val="40000"/>
+                <a:satMod val="350000"/>
+              </a:schemeClr>
+            </a:gs>
+            <a:gs pos="40000">
+              <a:schemeClr val="phClr">
+                <a:tint val="45000"/>
+                <a:shade val="99000"/>
+                <a:satMod val="350000"/>
+              </a:schemeClr>
+            </a:gs>
+            <a:gs pos="100000">
+              <a:schemeClr val="phClr">
+                <a:shade val="20000"/>
+                <a:satMod val="255000"/>
+              </a:schemeClr>
+            </a:gs>
+          </a:gsLst>
+          <a:path path="circle">
+            <a:fillToRect l="50000" t="-80000" r="50000" b="180000"/>
+          </a:path>
+        </a:gradFill>
+        <a:gradFill rotWithShape="1">
+          <a:gsLst>
+            <a:gs pos="0">
+              <a:schemeClr val="phClr">
+                <a:tint val="80000"/>
+                <a:satMod val="300000"/>
+              </a:schemeClr>
+            </a:gs>
+            <a:gs pos="100000">
+              <a:schemeClr val="phClr">
+                <a:shade val="30000"/>
+                <a:satMod val="200000"/>
+              </a:schemeClr>
+            </a:gs>
+          </a:gsLst>
+          <a:path path="circle">
+            <a:fillToRect l="50000" t="50000" r="50000" b="50000"/>
+          </a:path>
+        </a:gradFill>
+      </a:bgFillStyleLst>
+    </a:fmtScheme>
+  </a:themeElements>
+</a:theme>
 </file>
 
-<file path=ppt/theme/theme1.xml><?xml version="1.0" encoding="utf-8"?>
+<file path=ppt/theme/theme2.xml><?xml version="1.0" encoding="utf-8"?>
 <a:theme xmlns:a="http://schemas.openxmlformats.org/drawingml/2006/main" xmlns:r="http://schemas.openxmlformats.org/officeDocument/2006/relationships">
   <a:themeElements>
     <a:clrScheme name="Default">
@@ -11712,283 +12007,4 @@
     </a:fmtScheme>
   </a:themeElements>
 </a:theme>
-</file>
-
-<file path=ppt/theme/theme2.xml><?xml version="1.0" encoding="utf-8"?>
-<a:theme xmlns:a="http://schemas.openxmlformats.org/drawingml/2006/main" xmlns:r="http://schemas.openxmlformats.org/officeDocument/2006/relationships" name="Shift">
-  <a:themeElements>
-    <a:clrScheme name="Shift">
-      <a:dk1>
-        <a:srgbClr val="FFFFFF"/>
-      </a:dk1>
-      <a:lt1>
-        <a:srgbClr val="AF7B51"/>
-      </a:lt1>
-      <a:dk2>
-        <a:srgbClr val="233A44"/>
-      </a:dk2>
-      <a:lt2>
-        <a:srgbClr val="D9D9D9"/>
-      </a:lt2>
-      <a:accent1>
-        <a:srgbClr val="00796B"/>
-      </a:accent1>
-      <a:accent2>
-        <a:srgbClr val="D9563F"/>
-      </a:accent2>
-      <a:accent3>
-        <a:srgbClr val="C4A15A"/>
-      </a:accent3>
-      <a:accent4>
-        <a:srgbClr val="14F597"/>
-      </a:accent4>
-      <a:accent5>
-        <a:srgbClr val="3D4594"/>
-      </a:accent5>
-      <a:accent6>
-        <a:srgbClr val="163EF5"/>
-      </a:accent6>
-      <a:hlink>
-        <a:srgbClr val="3D4594"/>
-      </a:hlink>
-      <a:folHlink>
-        <a:srgbClr val="3D4594"/>
-      </a:folHlink>
-    </a:clrScheme>
-    <a:fontScheme name="Office">
-      <a:majorFont>
-        <a:latin typeface="Arial"/>
-        <a:ea typeface=""/>
-        <a:cs typeface=""/>
-        <a:font script="Jpan" typeface="ＭＳ Ｐゴシック"/>
-        <a:font script="Hang" typeface="맑은 고딕"/>
-        <a:font script="Hans" typeface="宋体"/>
-        <a:font script="Hant" typeface="新細明體"/>
-        <a:font script="Arab" typeface="Times New Roman"/>
-        <a:font script="Hebr" typeface="Times New Roman"/>
-        <a:font script="Thai" typeface="Angsana New"/>
-        <a:font script="Ethi" typeface="Nyala"/>
-        <a:font script="Beng" typeface="Vrinda"/>
-        <a:font script="Gujr" typeface="Shruti"/>
-        <a:font script="Khmr" typeface="MoolBoran"/>
-        <a:font script="Knda" typeface="Tunga"/>
-        <a:font script="Guru" typeface="Raavi"/>
-        <a:font script="Cans" typeface="Euphemia"/>
-        <a:font script="Cher" typeface="Plantagenet Cherokee"/>
-        <a:font script="Yiii" typeface="Microsoft Yi Baiti"/>
-        <a:font script="Tibt" typeface="Microsoft Himalaya"/>
-        <a:font script="Thaa" typeface="MV Boli"/>
-        <a:font script="Deva" typeface="Mangal"/>
-        <a:font script="Telu" typeface="Gautami"/>
-        <a:font script="Taml" typeface="Latha"/>
-        <a:font script="Syrc" typeface="Estrangelo Edessa"/>
-        <a:font script="Orya" typeface="Kalinga"/>
-        <a:font script="Mlym" typeface="Kartika"/>
-        <a:font script="Laoo" typeface="DokChampa"/>
-        <a:font script="Sinh" typeface="Iskoola Pota"/>
-        <a:font script="Mong" typeface="Mongolian Baiti"/>
-        <a:font script="Viet" typeface="Times New Roman"/>
-        <a:font script="Uigh" typeface="Microsoft Uighur"/>
-        <a:font script="Geor" typeface="Sylfaen"/>
-      </a:majorFont>
-      <a:minorFont>
-        <a:latin typeface="Arial"/>
-        <a:ea typeface=""/>
-        <a:cs typeface=""/>
-        <a:font script="Jpan" typeface="ＭＳ Ｐゴシック"/>
-        <a:font script="Hang" typeface="맑은 고딕"/>
-        <a:font script="Hans" typeface="宋体"/>
-        <a:font script="Hant" typeface="新細明體"/>
-        <a:font script="Arab" typeface="Arial"/>
-        <a:font script="Hebr" typeface="Arial"/>
-        <a:font script="Thai" typeface="Cordia New"/>
-        <a:font script="Ethi" typeface="Nyala"/>
-        <a:font script="Beng" typeface="Vrinda"/>
-        <a:font script="Gujr" typeface="Shruti"/>
-        <a:font script="Khmr" typeface="DaunPenh"/>
-        <a:font script="Knda" typeface="Tunga"/>
-        <a:font script="Guru" typeface="Raavi"/>
-        <a:font script="Cans" typeface="Euphemia"/>
-        <a:font script="Cher" typeface="Plantagenet Cherokee"/>
-        <a:font script="Yiii" typeface="Microsoft Yi Baiti"/>
-        <a:font script="Tibt" typeface="Microsoft Himalaya"/>
-        <a:font script="Thaa" typeface="MV Boli"/>
-        <a:font script="Deva" typeface="Mangal"/>
-        <a:font script="Telu" typeface="Gautami"/>
-        <a:font script="Taml" typeface="Latha"/>
-        <a:font script="Syrc" typeface="Estrangelo Edessa"/>
-        <a:font script="Orya" typeface="Kalinga"/>
-        <a:font script="Mlym" typeface="Kartika"/>
-        <a:font script="Laoo" typeface="DokChampa"/>
-        <a:font script="Sinh" typeface="Iskoola Pota"/>
-        <a:font script="Mong" typeface="Mongolian Baiti"/>
-        <a:font script="Viet" typeface="Arial"/>
-        <a:font script="Uigh" typeface="Microsoft Uighur"/>
-        <a:font script="Geor" typeface="Sylfaen"/>
-      </a:minorFont>
-    </a:fontScheme>
-    <a:fmtScheme name="Office">
-      <a:fillStyleLst>
-        <a:solidFill>
-          <a:schemeClr val="phClr"/>
-        </a:solidFill>
-        <a:gradFill rotWithShape="1">
-          <a:gsLst>
-            <a:gs pos="0">
-              <a:schemeClr val="phClr">
-                <a:tint val="50000"/>
-                <a:satMod val="300000"/>
-              </a:schemeClr>
-            </a:gs>
-            <a:gs pos="35000">
-              <a:schemeClr val="phClr">
-                <a:tint val="37000"/>
-                <a:satMod val="300000"/>
-              </a:schemeClr>
-            </a:gs>
-            <a:gs pos="100000">
-              <a:schemeClr val="phClr">
-                <a:tint val="15000"/>
-                <a:satMod val="350000"/>
-              </a:schemeClr>
-            </a:gs>
-          </a:gsLst>
-          <a:lin ang="16200000" scaled="1"/>
-        </a:gradFill>
-        <a:gradFill rotWithShape="1">
-          <a:gsLst>
-            <a:gs pos="0">
-              <a:schemeClr val="phClr">
-                <a:tint val="100000"/>
-                <a:shade val="100000"/>
-                <a:satMod val="130000"/>
-              </a:schemeClr>
-            </a:gs>
-            <a:gs pos="100000">
-              <a:schemeClr val="phClr">
-                <a:tint val="50000"/>
-                <a:shade val="100000"/>
-                <a:satMod val="350000"/>
-              </a:schemeClr>
-            </a:gs>
-          </a:gsLst>
-          <a:lin ang="16200000" scaled="0"/>
-        </a:gradFill>
-      </a:fillStyleLst>
-      <a:lnStyleLst>
-        <a:ln w="9525" cap="flat" cmpd="sng" algn="ctr">
-          <a:solidFill>
-            <a:schemeClr val="phClr">
-              <a:shade val="95000"/>
-              <a:satMod val="105000"/>
-            </a:schemeClr>
-          </a:solidFill>
-          <a:prstDash val="solid"/>
-        </a:ln>
-        <a:ln w="25400" cap="flat" cmpd="sng" algn="ctr">
-          <a:solidFill>
-            <a:schemeClr val="phClr"/>
-          </a:solidFill>
-          <a:prstDash val="solid"/>
-        </a:ln>
-        <a:ln w="38100" cap="flat" cmpd="sng" algn="ctr">
-          <a:solidFill>
-            <a:schemeClr val="phClr"/>
-          </a:solidFill>
-          <a:prstDash val="solid"/>
-        </a:ln>
-      </a:lnStyleLst>
-      <a:effectStyleLst>
-        <a:effectStyle>
-          <a:effectLst>
-            <a:outerShdw blurRad="40000" dist="20000" dir="5400000" rotWithShape="0">
-              <a:srgbClr val="000000">
-                <a:alpha val="38000"/>
-              </a:srgbClr>
-            </a:outerShdw>
-          </a:effectLst>
-        </a:effectStyle>
-        <a:effectStyle>
-          <a:effectLst>
-            <a:outerShdw blurRad="40000" dist="23000" dir="5400000" rotWithShape="0">
-              <a:srgbClr val="000000">
-                <a:alpha val="35000"/>
-              </a:srgbClr>
-            </a:outerShdw>
-          </a:effectLst>
-        </a:effectStyle>
-        <a:effectStyle>
-          <a:effectLst>
-            <a:outerShdw blurRad="40000" dist="23000" dir="5400000" rotWithShape="0">
-              <a:srgbClr val="000000">
-                <a:alpha val="35000"/>
-              </a:srgbClr>
-            </a:outerShdw>
-          </a:effectLst>
-          <a:scene3d>
-            <a:camera prst="orthographicFront">
-              <a:rot lat="0" lon="0" rev="0"/>
-            </a:camera>
-            <a:lightRig rig="threePt" dir="t">
-              <a:rot lat="0" lon="0" rev="1200000"/>
-            </a:lightRig>
-          </a:scene3d>
-          <a:sp3d>
-            <a:bevelT w="63500" h="25400"/>
-          </a:sp3d>
-        </a:effectStyle>
-      </a:effectStyleLst>
-      <a:bgFillStyleLst>
-        <a:solidFill>
-          <a:schemeClr val="phClr"/>
-        </a:solidFill>
-        <a:gradFill rotWithShape="1">
-          <a:gsLst>
-            <a:gs pos="0">
-              <a:schemeClr val="phClr">
-                <a:tint val="40000"/>
-                <a:satMod val="350000"/>
-              </a:schemeClr>
-            </a:gs>
-            <a:gs pos="40000">
-              <a:schemeClr val="phClr">
-                <a:tint val="45000"/>
-                <a:shade val="99000"/>
-                <a:satMod val="350000"/>
-              </a:schemeClr>
-            </a:gs>
-            <a:gs pos="100000">
-              <a:schemeClr val="phClr">
-                <a:shade val="20000"/>
-                <a:satMod val="255000"/>
-              </a:schemeClr>
-            </a:gs>
-          </a:gsLst>
-          <a:path path="circle">
-            <a:fillToRect l="50000" t="-80000" r="50000" b="180000"/>
-          </a:path>
-        </a:gradFill>
-        <a:gradFill rotWithShape="1">
-          <a:gsLst>
-            <a:gs pos="0">
-              <a:schemeClr val="phClr">
-                <a:tint val="80000"/>
-                <a:satMod val="300000"/>
-              </a:schemeClr>
-            </a:gs>
-            <a:gs pos="100000">
-              <a:schemeClr val="phClr">
-                <a:shade val="30000"/>
-                <a:satMod val="200000"/>
-              </a:schemeClr>
-            </a:gs>
-          </a:gsLst>
-          <a:path path="circle">
-            <a:fillToRect l="50000" t="50000" r="50000" b="50000"/>
-          </a:path>
-        </a:gradFill>
-      </a:bgFillStyleLst>
-    </a:fmtScheme>
-  </a:themeElements>
-</a:theme>
 </file>